--- a/Marketing Requirements.pptx
+++ b/Marketing Requirements.pptx
@@ -3170,27 +3170,23 @@
             </a:r>
             <a:r>
               <a:rPr lang="en-US" dirty="0" smtClean="0"/>
-              <a:t>who try </a:t>
+              <a:t>want to </a:t>
             </a:r>
             <a:r>
               <a:rPr lang="en-US" dirty="0"/>
-              <a:t>to track hobbies </a:t>
+              <a:t>track </a:t>
             </a:r>
             <a:r>
               <a:rPr lang="en-US" dirty="0" smtClean="0"/>
-              <a:t>in </a:t>
+              <a:t>their </a:t>
+            </a:r>
+            <a:r>
+              <a:rPr lang="en-US" smtClean="0"/>
+              <a:t>progress using </a:t>
             </a:r>
             <a:r>
               <a:rPr lang="en-US" dirty="0"/>
-              <a:t>their daily </a:t>
-            </a:r>
-            <a:r>
-              <a:rPr lang="en-US" dirty="0" smtClean="0"/>
-              <a:t>life just </a:t>
-            </a:r>
-            <a:r>
-              <a:rPr lang="en-US" dirty="0"/>
-              <a:t>using cellphones</a:t>
+              <a:t>cellphones</a:t>
             </a:r>
             <a:r>
               <a:rPr lang="en-US" dirty="0" smtClean="0"/>
@@ -3212,14 +3208,10 @@
             </a:r>
             <a:r>
               <a:rPr lang="en-US" dirty="0" smtClean="0"/>
-              <a:t>a set shot of basketball, </a:t>
-            </a:r>
-            <a:r>
-              <a:rPr lang="en-US" smtClean="0"/>
-              <a:t>or to </a:t>
-            </a:r>
-            <a:r>
-              <a:rPr lang="en-US" smtClean="0"/>
+              <a:t>a set shot of basketball, or to </a:t>
+            </a:r>
+            <a:r>
+              <a:rPr lang="en-US" dirty="0" smtClean="0"/>
               <a:t>solve </a:t>
             </a:r>
             <a:r>

--- a/Marketing Requirements.pptx
+++ b/Marketing Requirements.pptx
@@ -111,6 +111,11 @@
       </a:defRPr>
     </a:lvl9pPr>
   </p:defaultTextStyle>
+  <p:extLst>
+    <p:ext uri="{EFAFB233-063F-42B5-8137-9DF3F51BA10A}">
+      <p15:sldGuideLst xmlns:p15="http://schemas.microsoft.com/office/powerpoint/2012/main"/>
+    </p:ext>
+  </p:extLst>
 </p:presentation>
 </file>
 
@@ -3059,8 +3064,8 @@
           <a:lstStyle/>
           <a:p>
             <a:r>
-              <a:rPr lang="en-US" dirty="0" smtClean="0"/>
-              <a:t>The Name of the Product</a:t>
+              <a:rPr lang="en-US" dirty="0"/>
+              <a:t>Hobby Tracker</a:t>
             </a:r>
             <a:endParaRPr lang="en-US" dirty="0"/>
           </a:p>
@@ -3204,15 +3209,7 @@
             </a:r>
             <a:r>
               <a:rPr lang="en-US" dirty="0" smtClean="0"/>
-              <a:t>, </a:t>
-            </a:r>
-            <a:r>
-              <a:rPr lang="en-US" dirty="0" smtClean="0"/>
-              <a:t>a set shot of basketball, or to </a:t>
-            </a:r>
-            <a:r>
-              <a:rPr lang="en-US" dirty="0" smtClean="0"/>
-              <a:t>solve </a:t>
+              <a:t>, a set shot of basketball, or to solve </a:t>
             </a:r>
             <a:r>
               <a:rPr lang="en-US" dirty="0"/>
@@ -3530,7 +3527,7 @@
           <a:bodyPr/>
           <a:lstStyle/>
           <a:p>
-            <a:endParaRPr lang="en-US"/>
+            <a:endParaRPr lang="en-US" dirty="0"/>
           </a:p>
         </p:txBody>
       </p:sp>
